--- a/C++资料包/暴力枚举.pptx
+++ b/C++资料包/暴力枚举.pptx
@@ -897,100 +897,6 @@
           <a:bodyPr/>
           <a:lstStyle/>
           <a:p>
-            <a:r>
-              <a:rPr lang="en-US" altLang="zh-CN" dirty="0"/>
-              <a:t>#include &lt;iostream&gt;  </a:t>
-            </a:r>
-          </a:p>
-          <a:p>
-            <a:r>
-              <a:rPr lang="en-US" altLang="zh-CN" dirty="0"/>
-              <a:t>#include &lt;algorithm&gt;  </a:t>
-            </a:r>
-          </a:p>
-          <a:p>
-            <a:r>
-              <a:rPr lang="en-US" altLang="zh-CN" dirty="0"/>
-              <a:t>using namespace std;  </a:t>
-            </a:r>
-          </a:p>
-          <a:p>
-            <a:r>
-              <a:rPr lang="en-US" altLang="zh-CN" dirty="0"/>
-              <a:t>int main()  </a:t>
-            </a:r>
-          </a:p>
-          <a:p>
-            <a:r>
-              <a:rPr lang="en-US" altLang="zh-CN" dirty="0"/>
-              <a:t>{  </a:t>
-            </a:r>
-          </a:p>
-          <a:p>
-            <a:r>
-              <a:rPr lang="en-US" altLang="zh-CN" dirty="0"/>
-              <a:t>    int num[3]={1,2,3};  </a:t>
-            </a:r>
-          </a:p>
-          <a:p>
-            <a:r>
-              <a:rPr lang="en-US" altLang="zh-CN" dirty="0"/>
-              <a:t>    do  </a:t>
-            </a:r>
-          </a:p>
-          <a:p>
-            <a:r>
-              <a:rPr lang="en-US" altLang="zh-CN" dirty="0"/>
-              <a:t>    {  </a:t>
-            </a:r>
-          </a:p>
-          <a:p>
-            <a:r>
-              <a:rPr lang="en-US" altLang="zh-CN" dirty="0"/>
-              <a:t>        </a:t>
-            </a:r>
-            <a:r>
-              <a:rPr lang="en-US" altLang="zh-CN" dirty="0" err="1"/>
-              <a:t>cout</a:t>
-            </a:r>
-            <a:r>
-              <a:rPr lang="en-US" altLang="zh-CN" dirty="0"/>
-              <a:t>&lt;&lt;num[0]&lt;&lt;" "&lt;&lt;num[1]&lt;&lt;" "&lt;&lt;num[2]&lt;&lt;</a:t>
-            </a:r>
-            <a:r>
-              <a:rPr lang="en-US" altLang="zh-CN" dirty="0" err="1"/>
-              <a:t>endl</a:t>
-            </a:r>
-            <a:r>
-              <a:rPr lang="en-US" altLang="zh-CN" dirty="0"/>
-              <a:t>;  </a:t>
-            </a:r>
-          </a:p>
-          <a:p>
-            <a:r>
-              <a:rPr lang="en-US" altLang="zh-CN" dirty="0"/>
-              <a:t>    }while(</a:t>
-            </a:r>
-            <a:r>
-              <a:rPr lang="en-US" altLang="zh-CN" dirty="0" err="1"/>
-              <a:t>next_permutation</a:t>
-            </a:r>
-            <a:r>
-              <a:rPr lang="en-US" altLang="zh-CN" dirty="0"/>
-              <a:t>(num,num+3));  </a:t>
-            </a:r>
-          </a:p>
-          <a:p>
-            <a:r>
-              <a:rPr lang="en-US" altLang="zh-CN" dirty="0"/>
-              <a:t>    return 0;  </a:t>
-            </a:r>
-          </a:p>
-          <a:p>
-            <a:r>
-              <a:rPr lang="en-US" altLang="zh-CN" dirty="0"/>
-              <a:t>}</a:t>
-            </a:r>
             <a:endParaRPr lang="zh-CN" altLang="en-US" dirty="0"/>
           </a:p>
         </p:txBody>
@@ -1337,100 +1243,6 @@
           <a:bodyPr/>
           <a:lstStyle/>
           <a:p>
-            <a:r>
-              <a:rPr lang="en-US" altLang="zh-CN" dirty="0"/>
-              <a:t>#include &lt;iostream&gt;  </a:t>
-            </a:r>
-          </a:p>
-          <a:p>
-            <a:r>
-              <a:rPr lang="en-US" altLang="zh-CN" dirty="0"/>
-              <a:t>#include &lt;algorithm&gt;  </a:t>
-            </a:r>
-          </a:p>
-          <a:p>
-            <a:r>
-              <a:rPr lang="en-US" altLang="zh-CN" dirty="0"/>
-              <a:t>using namespace std;  </a:t>
-            </a:r>
-          </a:p>
-          <a:p>
-            <a:r>
-              <a:rPr lang="en-US" altLang="zh-CN" dirty="0"/>
-              <a:t>int main()  </a:t>
-            </a:r>
-          </a:p>
-          <a:p>
-            <a:r>
-              <a:rPr lang="en-US" altLang="zh-CN" dirty="0"/>
-              <a:t>{  </a:t>
-            </a:r>
-          </a:p>
-          <a:p>
-            <a:r>
-              <a:rPr lang="en-US" altLang="zh-CN" dirty="0"/>
-              <a:t>    int num[3]={1,2,3};  </a:t>
-            </a:r>
-          </a:p>
-          <a:p>
-            <a:r>
-              <a:rPr lang="en-US" altLang="zh-CN" dirty="0"/>
-              <a:t>    do  </a:t>
-            </a:r>
-          </a:p>
-          <a:p>
-            <a:r>
-              <a:rPr lang="en-US" altLang="zh-CN" dirty="0"/>
-              <a:t>    {  </a:t>
-            </a:r>
-          </a:p>
-          <a:p>
-            <a:r>
-              <a:rPr lang="en-US" altLang="zh-CN" dirty="0"/>
-              <a:t>        </a:t>
-            </a:r>
-            <a:r>
-              <a:rPr lang="en-US" altLang="zh-CN" dirty="0" err="1"/>
-              <a:t>cout</a:t>
-            </a:r>
-            <a:r>
-              <a:rPr lang="en-US" altLang="zh-CN" dirty="0"/>
-              <a:t>&lt;&lt;num[0]&lt;&lt;" "&lt;&lt;num[1]&lt;&lt;" "&lt;&lt;num[2]&lt;&lt;</a:t>
-            </a:r>
-            <a:r>
-              <a:rPr lang="en-US" altLang="zh-CN" dirty="0" err="1"/>
-              <a:t>endl</a:t>
-            </a:r>
-            <a:r>
-              <a:rPr lang="en-US" altLang="zh-CN" dirty="0"/>
-              <a:t>;  </a:t>
-            </a:r>
-          </a:p>
-          <a:p>
-            <a:r>
-              <a:rPr lang="en-US" altLang="zh-CN" dirty="0"/>
-              <a:t>    }while(</a:t>
-            </a:r>
-            <a:r>
-              <a:rPr lang="en-US" altLang="zh-CN" dirty="0" err="1"/>
-              <a:t>next_permutation</a:t>
-            </a:r>
-            <a:r>
-              <a:rPr lang="en-US" altLang="zh-CN" dirty="0"/>
-              <a:t>(num,num+3));  </a:t>
-            </a:r>
-          </a:p>
-          <a:p>
-            <a:r>
-              <a:rPr lang="en-US" altLang="zh-CN" dirty="0"/>
-              <a:t>    return 0;  </a:t>
-            </a:r>
-          </a:p>
-          <a:p>
-            <a:r>
-              <a:rPr lang="en-US" altLang="zh-CN" dirty="0"/>
-              <a:t>}</a:t>
-            </a:r>
             <a:endParaRPr lang="zh-CN" altLang="en-US" dirty="0"/>
           </a:p>
         </p:txBody>
